--- a/2장_기초.pptx
+++ b/2장_기초.pptx
@@ -20,26 +20,26 @@
   <p:notesSz cx="6858000" cy="9144000"/>
   <p:embeddedFontLst>
     <p:embeddedFont>
-      <p:font typeface="Calibri Light" panose="020F0302020204030204" pitchFamily="34" charset="0"/>
+      <p:font typeface="나눔바른고딕" panose="020B0603020101020101" pitchFamily="50" charset="-127"/>
       <p:regular r:id="rId12"/>
-      <p:italic r:id="rId13"/>
+      <p:bold r:id="rId13"/>
     </p:embeddedFont>
     <p:embeddedFont>
-      <p:font typeface="나눔바른고딕" panose="020B0603020101020101" pitchFamily="50" charset="-127"/>
+      <p:font typeface="Calibri" panose="020F0502020204030204" pitchFamily="34" charset="0"/>
       <p:regular r:id="rId14"/>
       <p:bold r:id="rId15"/>
+      <p:italic r:id="rId16"/>
+      <p:boldItalic r:id="rId17"/>
+    </p:embeddedFont>
+    <p:embeddedFont>
+      <p:font typeface="Calibri Light" panose="020F0302020204030204" pitchFamily="34" charset="0"/>
+      <p:regular r:id="rId18"/>
+      <p:italic r:id="rId19"/>
     </p:embeddedFont>
     <p:embeddedFont>
       <p:font typeface="맑은 고딕" panose="020B0503020000020004" pitchFamily="50" charset="-127"/>
-      <p:regular r:id="rId16"/>
-      <p:bold r:id="rId17"/>
-    </p:embeddedFont>
-    <p:embeddedFont>
-      <p:font typeface="Calibri" panose="020F0502020204030204" pitchFamily="34" charset="0"/>
-      <p:regular r:id="rId18"/>
-      <p:bold r:id="rId19"/>
-      <p:italic r:id="rId20"/>
-      <p:boldItalic r:id="rId21"/>
+      <p:regular r:id="rId20"/>
+      <p:bold r:id="rId21"/>
     </p:embeddedFont>
   </p:embeddedFontLst>
   <p:defaultTextStyle>
@@ -256,7 +256,7 @@
           <a:p>
             <a:fld id="{9A1CD55B-6AB5-495B-AC33-E5360330A3EE}" type="datetimeFigureOut">
               <a:rPr lang="ko-KR" altLang="en-US" smtClean="0"/>
-              <a:t>2016-05-09</a:t>
+              <a:t>2016-05-17</a:t>
             </a:fld>
             <a:endParaRPr lang="ko-KR" altLang="en-US"/>
           </a:p>
@@ -433,7 +433,7 @@
           <a:p>
             <a:fld id="{9A1CD55B-6AB5-495B-AC33-E5360330A3EE}" type="datetimeFigureOut">
               <a:rPr lang="ko-KR" altLang="en-US" smtClean="0"/>
-              <a:t>2016-05-09</a:t>
+              <a:t>2016-05-17</a:t>
             </a:fld>
             <a:endParaRPr lang="ko-KR" altLang="en-US"/>
           </a:p>
@@ -613,7 +613,7 @@
           <a:p>
             <a:fld id="{9A1CD55B-6AB5-495B-AC33-E5360330A3EE}" type="datetimeFigureOut">
               <a:rPr lang="ko-KR" altLang="en-US" smtClean="0"/>
-              <a:t>2016-05-09</a:t>
+              <a:t>2016-05-17</a:t>
             </a:fld>
             <a:endParaRPr lang="ko-KR" altLang="en-US"/>
           </a:p>
@@ -882,7 +882,7 @@
           <a:p>
             <a:fld id="{9A1CD55B-6AB5-495B-AC33-E5360330A3EE}" type="datetimeFigureOut">
               <a:rPr lang="ko-KR" altLang="en-US" smtClean="0"/>
-              <a:t>2016-05-09</a:t>
+              <a:t>2016-05-17</a:t>
             </a:fld>
             <a:endParaRPr lang="ko-KR" altLang="en-US"/>
           </a:p>
@@ -1133,7 +1133,7 @@
           <a:p>
             <a:fld id="{9A1CD55B-6AB5-495B-AC33-E5360330A3EE}" type="datetimeFigureOut">
               <a:rPr lang="ko-KR" altLang="en-US" smtClean="0"/>
-              <a:t>2016-05-09</a:t>
+              <a:t>2016-05-17</a:t>
             </a:fld>
             <a:endParaRPr lang="ko-KR" altLang="en-US"/>
           </a:p>
@@ -1372,7 +1372,7 @@
           <a:p>
             <a:fld id="{9A1CD55B-6AB5-495B-AC33-E5360330A3EE}" type="datetimeFigureOut">
               <a:rPr lang="ko-KR" altLang="en-US" smtClean="0"/>
-              <a:t>2016-05-09</a:t>
+              <a:t>2016-05-17</a:t>
             </a:fld>
             <a:endParaRPr lang="ko-KR" altLang="en-US"/>
           </a:p>
@@ -1746,7 +1746,7 @@
           <a:p>
             <a:fld id="{9A1CD55B-6AB5-495B-AC33-E5360330A3EE}" type="datetimeFigureOut">
               <a:rPr lang="ko-KR" altLang="en-US" smtClean="0"/>
-              <a:t>2016-05-09</a:t>
+              <a:t>2016-05-17</a:t>
             </a:fld>
             <a:endParaRPr lang="ko-KR" altLang="en-US"/>
           </a:p>
@@ -1871,7 +1871,7 @@
           <a:p>
             <a:fld id="{9A1CD55B-6AB5-495B-AC33-E5360330A3EE}" type="datetimeFigureOut">
               <a:rPr lang="ko-KR" altLang="en-US" smtClean="0"/>
-              <a:t>2016-05-09</a:t>
+              <a:t>2016-05-17</a:t>
             </a:fld>
             <a:endParaRPr lang="ko-KR" altLang="en-US"/>
           </a:p>
@@ -1966,7 +1966,7 @@
           <a:p>
             <a:fld id="{9A1CD55B-6AB5-495B-AC33-E5360330A3EE}" type="datetimeFigureOut">
               <a:rPr lang="ko-KR" altLang="en-US" smtClean="0"/>
-              <a:t>2016-05-09</a:t>
+              <a:t>2016-05-17</a:t>
             </a:fld>
             <a:endParaRPr lang="ko-KR" altLang="en-US"/>
           </a:p>
@@ -2243,7 +2243,7 @@
           <a:p>
             <a:fld id="{9A1CD55B-6AB5-495B-AC33-E5360330A3EE}" type="datetimeFigureOut">
               <a:rPr lang="ko-KR" altLang="en-US" smtClean="0"/>
-              <a:t>2016-05-09</a:t>
+              <a:t>2016-05-17</a:t>
             </a:fld>
             <a:endParaRPr lang="ko-KR" altLang="en-US"/>
           </a:p>
@@ -2500,7 +2500,7 @@
           <a:p>
             <a:fld id="{9A1CD55B-6AB5-495B-AC33-E5360330A3EE}" type="datetimeFigureOut">
               <a:rPr lang="ko-KR" altLang="en-US" smtClean="0"/>
-              <a:t>2016-05-09</a:t>
+              <a:t>2016-05-17</a:t>
             </a:fld>
             <a:endParaRPr lang="ko-KR" altLang="en-US"/>
           </a:p>
@@ -2713,7 +2713,7 @@
           <a:p>
             <a:fld id="{9A1CD55B-6AB5-495B-AC33-E5360330A3EE}" type="datetimeFigureOut">
               <a:rPr lang="ko-KR" altLang="en-US" smtClean="0"/>
-              <a:t>2016-05-09</a:t>
+              <a:t>2016-05-17</a:t>
             </a:fld>
             <a:endParaRPr lang="ko-KR" altLang="en-US"/>
           </a:p>
